--- a/PresentationJin.pptx
+++ b/PresentationJin.pptx
@@ -7582,8 +7582,11 @@
           <a:p>
             <a:r>
               <a:rPr lang="en-US" dirty="0"/>
-              <a:t>LSTM is useful to model the temporal dependencies of the joint positions of players’ bodies in each video segment as well as the highlights in the entire video. </a:t>
+              <a:t>In order to generate appealing summaries, players’ 3D body joint positions from depth maps offer the best performance. </a:t>
             </a:r>
+          </a:p>
+          <a:p>
+            <a:endParaRPr lang="en-US" dirty="0"/>
           </a:p>
           <a:p>
             <a:endParaRPr lang="en-US" dirty="0"/>
@@ -8868,8 +8871,44 @@
         </p:blipFill>
         <p:spPr>
           <a:xfrm>
-            <a:off x="5644135" y="213120"/>
+            <a:off x="5381640" y="213120"/>
             <a:ext cx="3499505" cy="4258905"/>
+          </a:xfrm>
+          <a:prstGeom prst="rect">
+            <a:avLst/>
+          </a:prstGeom>
+        </p:spPr>
+      </p:pic>
+      <p:pic>
+        <p:nvPicPr>
+          <p:cNvPr id="8" name="Picture 7">
+            <a:extLst>
+              <a:ext uri="{FF2B5EF4-FFF2-40B4-BE49-F238E27FC236}">
+                <a16:creationId xmlns:a16="http://schemas.microsoft.com/office/drawing/2014/main" id="{9EBA926D-2A3D-584F-8FEC-8C8BC9908863}"/>
+              </a:ext>
+            </a:extLst>
+          </p:cNvPr>
+          <p:cNvPicPr>
+            <a:picLocks noChangeAspect="1"/>
+          </p:cNvPicPr>
+          <p:nvPr/>
+        </p:nvPicPr>
+        <p:blipFill>
+          <a:blip r:embed="rId4">
+            <a:extLst>
+              <a:ext uri="{28A0092B-C50C-407E-A947-70E740481C1C}">
+                <a14:useLocalDpi xmlns:a14="http://schemas.microsoft.com/office/drawing/2010/main" val="0"/>
+              </a:ext>
+            </a:extLst>
+          </a:blip>
+          <a:stretch>
+            <a:fillRect/>
+          </a:stretch>
+        </p:blipFill>
+        <p:spPr>
+          <a:xfrm>
+            <a:off x="2920856" y="4282848"/>
+            <a:ext cx="2606675" cy="770310"/>
           </a:xfrm>
           <a:prstGeom prst="rect">
             <a:avLst/>
